--- a/Cafe Chain Analysis.pptx
+++ b/Cafe Chain Analysis.pptx
@@ -499,7 +499,7 @@
             <a:fld id="{B61BEF0D-F0BB-DE4B-95CE-6DB70DBA9567}" type="datetimeFigureOut">
               <a:rPr lang="en-US" dirty="0"/>
               <a:pPr/>
-              <a:t>10/7/17</a:t>
+              <a:t>10/8/17</a:t>
             </a:fld>
             <a:endParaRPr lang="en-US" dirty="0"/>
           </a:p>
@@ -820,7 +820,7 @@
             <a:fld id="{B61BEF0D-F0BB-DE4B-95CE-6DB70DBA9567}" type="datetimeFigureOut">
               <a:rPr lang="en-US" dirty="0"/>
               <a:pPr/>
-              <a:t>10/7/17</a:t>
+              <a:t>10/8/17</a:t>
             </a:fld>
             <a:endParaRPr lang="en-US" dirty="0"/>
           </a:p>
@@ -1065,7 +1065,7 @@
             <a:fld id="{B61BEF0D-F0BB-DE4B-95CE-6DB70DBA9567}" type="datetimeFigureOut">
               <a:rPr lang="en-US" dirty="0"/>
               <a:pPr/>
-              <a:t>10/7/17</a:t>
+              <a:t>10/8/17</a:t>
             </a:fld>
             <a:endParaRPr lang="en-US" dirty="0"/>
           </a:p>
@@ -1401,7 +1401,7 @@
             <a:fld id="{B61BEF0D-F0BB-DE4B-95CE-6DB70DBA9567}" type="datetimeFigureOut">
               <a:rPr lang="en-US" dirty="0"/>
               <a:pPr/>
-              <a:t>10/7/17</a:t>
+              <a:t>10/8/17</a:t>
             </a:fld>
             <a:endParaRPr lang="en-US" dirty="0"/>
           </a:p>
@@ -1745,7 +1745,7 @@
             <a:fld id="{B61BEF0D-F0BB-DE4B-95CE-6DB70DBA9567}" type="datetimeFigureOut">
               <a:rPr lang="en-US" dirty="0"/>
               <a:pPr/>
-              <a:t>10/7/17</a:t>
+              <a:t>10/8/17</a:t>
             </a:fld>
             <a:endParaRPr lang="en-US" dirty="0"/>
           </a:p>
@@ -2116,7 +2116,7 @@
             <a:fld id="{B61BEF0D-F0BB-DE4B-95CE-6DB70DBA9567}" type="datetimeFigureOut">
               <a:rPr lang="en-US" dirty="0"/>
               <a:pPr/>
-              <a:t>10/7/17</a:t>
+              <a:t>10/8/17</a:t>
             </a:fld>
             <a:endParaRPr lang="en-US" dirty="0"/>
           </a:p>
@@ -2583,7 +2583,7 @@
             <a:fld id="{B61BEF0D-F0BB-DE4B-95CE-6DB70DBA9567}" type="datetimeFigureOut">
               <a:rPr lang="en-US" dirty="0"/>
               <a:pPr/>
-              <a:t>10/7/17</a:t>
+              <a:t>10/8/17</a:t>
             </a:fld>
             <a:endParaRPr lang="en-US" dirty="0"/>
           </a:p>
@@ -2785,7 +2785,7 @@
             <a:fld id="{B61BEF0D-F0BB-DE4B-95CE-6DB70DBA9567}" type="datetimeFigureOut">
               <a:rPr lang="en-US" dirty="0"/>
               <a:pPr/>
-              <a:t>10/7/17</a:t>
+              <a:t>10/8/17</a:t>
             </a:fld>
             <a:endParaRPr lang="en-US" dirty="0"/>
           </a:p>
@@ -2993,7 +2993,7 @@
             <a:fld id="{B61BEF0D-F0BB-DE4B-95CE-6DB70DBA9567}" type="datetimeFigureOut">
               <a:rPr lang="en-US" dirty="0"/>
               <a:pPr/>
-              <a:t>10/7/17</a:t>
+              <a:t>10/8/17</a:t>
             </a:fld>
             <a:endParaRPr lang="en-US" dirty="0"/>
           </a:p>
@@ -3221,7 +3221,7 @@
           <a:p>
             <a:fld id="{52647F38-B617-4D2F-AE0A-013F0C4D2C57}" type="datetimeFigureOut">
               <a:rPr lang="en-US" dirty="0"/>
-              <a:t>10/7/17</a:t>
+              <a:t>10/8/17</a:t>
             </a:fld>
             <a:endParaRPr lang="en-US" dirty="0"/>
           </a:p>
@@ -3465,7 +3465,7 @@
             <a:fld id="{B61BEF0D-F0BB-DE4B-95CE-6DB70DBA9567}" type="datetimeFigureOut">
               <a:rPr lang="en-US" dirty="0"/>
               <a:pPr/>
-              <a:t>10/7/17</a:t>
+              <a:t>10/8/17</a:t>
             </a:fld>
             <a:endParaRPr lang="en-US" dirty="0"/>
           </a:p>
@@ -3759,7 +3759,7 @@
           <a:p>
             <a:fld id="{05BFA754-D5C3-4E66-96A6-867B257F58DC}" type="datetimeFigureOut">
               <a:rPr lang="en-US" dirty="0"/>
-              <a:t>10/7/17</a:t>
+              <a:t>10/8/17</a:t>
             </a:fld>
             <a:endParaRPr lang="en-US" dirty="0"/>
           </a:p>
@@ -4149,7 +4149,7 @@
             <a:fld id="{B61BEF0D-F0BB-DE4B-95CE-6DB70DBA9567}" type="datetimeFigureOut">
               <a:rPr lang="en-US" dirty="0"/>
               <a:pPr/>
-              <a:t>10/7/17</a:t>
+              <a:t>10/8/17</a:t>
             </a:fld>
             <a:endParaRPr lang="en-US" dirty="0"/>
           </a:p>
@@ -4295,7 +4295,7 @@
             <a:fld id="{B61BEF0D-F0BB-DE4B-95CE-6DB70DBA9567}" type="datetimeFigureOut">
               <a:rPr lang="en-US" dirty="0"/>
               <a:pPr/>
-              <a:t>10/7/17</a:t>
+              <a:t>10/8/17</a:t>
             </a:fld>
             <a:endParaRPr lang="en-US" dirty="0"/>
           </a:p>
@@ -4418,7 +4418,7 @@
             <a:fld id="{B61BEF0D-F0BB-DE4B-95CE-6DB70DBA9567}" type="datetimeFigureOut">
               <a:rPr lang="en-US" dirty="0"/>
               <a:pPr/>
-              <a:t>10/7/17</a:t>
+              <a:t>10/8/17</a:t>
             </a:fld>
             <a:endParaRPr lang="en-US" dirty="0"/>
           </a:p>
@@ -4670,7 +4670,7 @@
             <a:fld id="{B61BEF0D-F0BB-DE4B-95CE-6DB70DBA9567}" type="datetimeFigureOut">
               <a:rPr lang="en-US" dirty="0"/>
               <a:pPr/>
-              <a:t>10/7/17</a:t>
+              <a:t>10/8/17</a:t>
             </a:fld>
             <a:endParaRPr lang="en-US" dirty="0"/>
           </a:p>
@@ -4982,7 +4982,7 @@
             <a:fld id="{B61BEF0D-F0BB-DE4B-95CE-6DB70DBA9567}" type="datetimeFigureOut">
               <a:rPr lang="en-US" dirty="0"/>
               <a:pPr/>
-              <a:t>10/7/17</a:t>
+              <a:t>10/8/17</a:t>
             </a:fld>
             <a:endParaRPr lang="en-US" dirty="0"/>
           </a:p>
@@ -5330,7 +5330,7 @@
             <a:fld id="{B61BEF0D-F0BB-DE4B-95CE-6DB70DBA9567}" type="datetimeFigureOut">
               <a:rPr lang="en-US" dirty="0"/>
               <a:pPr/>
-              <a:t>10/7/17</a:t>
+              <a:t>10/8/17</a:t>
             </a:fld>
             <a:endParaRPr lang="en-US" dirty="0"/>
           </a:p>
@@ -5885,16 +5885,8 @@
           <a:lstStyle/>
           <a:p>
             <a:r>
-              <a:rPr lang="en-US" dirty="0" smtClean="0"/>
-              <a:t>MRA </a:t>
-            </a:r>
-            <a:r>
-              <a:rPr lang="en-US" dirty="0" smtClean="0"/>
-              <a:t>Group </a:t>
-            </a:r>
-            <a:r>
-              <a:rPr lang="en-US" dirty="0" smtClean="0"/>
-              <a:t>14</a:t>
+              <a:rPr lang="en-US" dirty="0"/>
+              <a:t>Café Chain Analysis </a:t>
             </a:r>
             <a:endParaRPr lang="en-US" dirty="0"/>
           </a:p>
@@ -5913,33 +5905,18 @@
         <p:spPr/>
         <p:txBody>
           <a:bodyPr>
-            <a:normAutofit lnSpcReduction="10000"/>
+            <a:normAutofit/>
           </a:bodyPr>
           <a:lstStyle/>
           <a:p>
             <a:r>
               <a:rPr lang="en-US" dirty="0" smtClean="0"/>
-              <a:t>Café Chain Analysis</a:t>
-            </a:r>
-            <a:r>
-              <a:rPr lang="en-US" dirty="0" smtClean="0"/>
-              <a:t> </a:t>
-            </a:r>
-            <a:endParaRPr lang="en-US" dirty="0"/>
-          </a:p>
-          <a:p>
-            <a:r>
-              <a:rPr lang="en-US" dirty="0" smtClean="0"/>
-              <a:t>Assignment</a:t>
-            </a:r>
-            <a:endParaRPr lang="en-US" dirty="0" smtClean="0"/>
-          </a:p>
-          <a:p>
+              <a:t>Business </a:t>
+            </a:r>
             <a:r>
               <a:rPr lang="en-US" dirty="0"/>
-              <a:t>Business Analytics in Retail and Marketing</a:t>
-            </a:r>
-            <a:endParaRPr lang="en-US" dirty="0"/>
+              <a:t>Analytics in Retail and Marketing</a:t>
+            </a:r>
           </a:p>
         </p:txBody>
       </p:sp>
@@ -6355,11 +6332,11 @@
   <p:clrMapOvr>
     <a:masterClrMapping/>
   </p:clrMapOvr>
-  <mc:AlternateContent xmlns:mc="http://schemas.openxmlformats.org/markup-compatibility/2006">
-    <mc:Choice xmlns:p14="http://schemas.microsoft.com/office/powerpoint/2010/main" Requires="p14">
+  <mc:AlternateContent xmlns:mc="http://schemas.openxmlformats.org/markup-compatibility/2006" xmlns:p14="http://schemas.microsoft.com/office/powerpoint/2010/main">
+    <mc:Choice Requires="p14">
       <p:transition p14:dur="0"/>
     </mc:Choice>
-    <mc:Fallback>
+    <mc:Fallback xmlns="">
       <p:transition/>
     </mc:Fallback>
   </mc:AlternateContent>
@@ -7016,11 +6993,11 @@
   <p:clrMapOvr>
     <a:masterClrMapping/>
   </p:clrMapOvr>
-  <mc:AlternateContent xmlns:mc="http://schemas.openxmlformats.org/markup-compatibility/2006">
-    <mc:Choice xmlns:p14="http://schemas.microsoft.com/office/powerpoint/2010/main" Requires="p14">
+  <mc:AlternateContent xmlns:mc="http://schemas.openxmlformats.org/markup-compatibility/2006" xmlns:p14="http://schemas.microsoft.com/office/powerpoint/2010/main">
+    <mc:Choice Requires="p14">
       <p:transition p14:dur="0"/>
     </mc:Choice>
-    <mc:Fallback>
+    <mc:Fallback xmlns="">
       <p:transition/>
     </mc:Fallback>
   </mc:AlternateContent>
@@ -7400,11 +7377,11 @@
   <p:clrMapOvr>
     <a:masterClrMapping/>
   </p:clrMapOvr>
-  <mc:AlternateContent xmlns:mc="http://schemas.openxmlformats.org/markup-compatibility/2006">
-    <mc:Choice xmlns:p14="http://schemas.microsoft.com/office/powerpoint/2010/main" Requires="p14">
+  <mc:AlternateContent xmlns:mc="http://schemas.openxmlformats.org/markup-compatibility/2006" xmlns:p14="http://schemas.microsoft.com/office/powerpoint/2010/main">
+    <mc:Choice Requires="p14">
       <p:transition p14:dur="0"/>
     </mc:Choice>
-    <mc:Fallback>
+    <mc:Fallback xmlns="">
       <p:transition/>
     </mc:Fallback>
   </mc:AlternateContent>
@@ -7452,11 +7429,7 @@
           <a:p>
             <a:r>
               <a:rPr lang="en-US" dirty="0" smtClean="0"/>
-              <a:t>Price Change </a:t>
-            </a:r>
-            <a:r>
-              <a:rPr lang="en-US" dirty="0" smtClean="0"/>
-              <a:t>Analysis</a:t>
+              <a:t>Price Change Analysis</a:t>
             </a:r>
             <a:endParaRPr lang="en-US" dirty="0"/>
           </a:p>
@@ -7481,7 +7454,6 @@
               <a:rPr lang="en-US" dirty="0"/>
               <a:t>Café Chain Analysis </a:t>
             </a:r>
-            <a:endParaRPr lang="en-US" dirty="0"/>
           </a:p>
         </p:txBody>
       </p:sp>
@@ -11245,11 +11217,11 @@
   <p:clrMapOvr>
     <a:masterClrMapping/>
   </p:clrMapOvr>
-  <mc:AlternateContent xmlns:mc="http://schemas.openxmlformats.org/markup-compatibility/2006">
-    <mc:Choice xmlns:p14="http://schemas.microsoft.com/office/powerpoint/2010/main" Requires="p14">
+  <mc:AlternateContent xmlns:mc="http://schemas.openxmlformats.org/markup-compatibility/2006" xmlns:p14="http://schemas.microsoft.com/office/powerpoint/2010/main">
+    <mc:Choice Requires="p14">
       <p:transition p14:dur="0"/>
     </mc:Choice>
-    <mc:Fallback>
+    <mc:Fallback xmlns="">
       <p:transition/>
     </mc:Fallback>
   </mc:AlternateContent>
@@ -11827,11 +11799,11 @@
   <p:clrMapOvr>
     <a:masterClrMapping/>
   </p:clrMapOvr>
-  <mc:AlternateContent xmlns:mc="http://schemas.openxmlformats.org/markup-compatibility/2006">
-    <mc:Choice xmlns:p14="http://schemas.microsoft.com/office/powerpoint/2010/main" Requires="p14">
+  <mc:AlternateContent xmlns:mc="http://schemas.openxmlformats.org/markup-compatibility/2006" xmlns:p14="http://schemas.microsoft.com/office/powerpoint/2010/main">
+    <mc:Choice Requires="p14">
       <p:transition p14:dur="0"/>
     </mc:Choice>
-    <mc:Fallback>
+    <mc:Fallback xmlns="">
       <p:transition/>
     </mc:Fallback>
   </mc:AlternateContent>
@@ -11904,7 +11876,6 @@
               <a:rPr lang="en-US" dirty="0"/>
               <a:t>Café Chain Analysis </a:t>
             </a:r>
-            <a:endParaRPr lang="en-US" dirty="0"/>
           </a:p>
         </p:txBody>
       </p:sp>
@@ -12132,11 +12103,11 @@
   <p:clrMapOvr>
     <a:masterClrMapping/>
   </p:clrMapOvr>
-  <mc:AlternateContent xmlns:mc="http://schemas.openxmlformats.org/markup-compatibility/2006">
-    <mc:Choice xmlns:p14="http://schemas.microsoft.com/office/powerpoint/2010/main" Requires="p14">
+  <mc:AlternateContent xmlns:mc="http://schemas.openxmlformats.org/markup-compatibility/2006" xmlns:p14="http://schemas.microsoft.com/office/powerpoint/2010/main">
+    <mc:Choice Requires="p14">
       <p:transition p14:dur="0"/>
     </mc:Choice>
-    <mc:Fallback>
+    <mc:Fallback xmlns="">
       <p:transition/>
     </mc:Fallback>
   </mc:AlternateContent>
@@ -12358,11 +12329,11 @@
   <p:clrMapOvr>
     <a:masterClrMapping/>
   </p:clrMapOvr>
-  <mc:AlternateContent xmlns:mc="http://schemas.openxmlformats.org/markup-compatibility/2006">
-    <mc:Choice xmlns:p14="http://schemas.microsoft.com/office/powerpoint/2010/main" Requires="p14">
+  <mc:AlternateContent xmlns:mc="http://schemas.openxmlformats.org/markup-compatibility/2006" xmlns:p14="http://schemas.microsoft.com/office/powerpoint/2010/main">
+    <mc:Choice Requires="p14">
       <p:transition p14:dur="0"/>
     </mc:Choice>
-    <mc:Fallback>
+    <mc:Fallback xmlns="">
       <p:transition/>
     </mc:Fallback>
   </mc:AlternateContent>
@@ -12447,7 +12418,6 @@
               <a:rPr lang="en-US" dirty="0"/>
               <a:t>Café Chain Analysis </a:t>
             </a:r>
-            <a:endParaRPr lang="en-US" dirty="0"/>
           </a:p>
         </p:txBody>
       </p:sp>
@@ -12526,7 +12496,6 @@
               <a:rPr lang="en-US" dirty="0" smtClean="0"/>
               <a:t>Objective</a:t>
             </a:r>
-            <a:endParaRPr lang="en-US" dirty="0" smtClean="0"/>
           </a:p>
           <a:p>
             <a:r>
@@ -12543,7 +12512,6 @@
               <a:rPr lang="en-US" dirty="0" smtClean="0"/>
               <a:t>xploratory analysis</a:t>
             </a:r>
-            <a:endParaRPr lang="en-US" dirty="0" smtClean="0"/>
           </a:p>
           <a:p>
             <a:r>
@@ -12641,7 +12609,7 @@
           <a:p>
             <a:r>
               <a:rPr lang="en-US" sz="3200" dirty="0" smtClean="0"/>
-              <a:t>Offer combos delights and generate more revenue - 1/2</a:t>
+              <a:t>Offer combo delights and generate more revenue - 1/2</a:t>
             </a:r>
             <a:endParaRPr lang="en-US" sz="3200" dirty="0"/>
           </a:p>
@@ -12872,11 +12840,11 @@
   <p:clrMapOvr>
     <a:masterClrMapping/>
   </p:clrMapOvr>
-  <mc:AlternateContent xmlns:mc="http://schemas.openxmlformats.org/markup-compatibility/2006">
-    <mc:Choice xmlns:p14="http://schemas.microsoft.com/office/powerpoint/2010/main" Requires="p14">
+  <mc:AlternateContent xmlns:mc="http://schemas.openxmlformats.org/markup-compatibility/2006" xmlns:p14="http://schemas.microsoft.com/office/powerpoint/2010/main">
+    <mc:Choice Requires="p14">
       <p:transition p14:dur="0"/>
     </mc:Choice>
-    <mc:Fallback>
+    <mc:Fallback xmlns="">
       <p:transition/>
     </mc:Fallback>
   </mc:AlternateContent>
@@ -12931,7 +12899,7 @@
           <a:p>
             <a:r>
               <a:rPr lang="en-US" sz="3200" dirty="0" smtClean="0"/>
-              <a:t>Offer combos delights and generate more revenue - 2/2</a:t>
+              <a:t>Offer combo delights and generate more revenue - 2/2</a:t>
             </a:r>
             <a:endParaRPr lang="en-US" sz="3200" dirty="0"/>
           </a:p>
@@ -14889,11 +14857,11 @@
   <p:clrMapOvr>
     <a:masterClrMapping/>
   </p:clrMapOvr>
-  <mc:AlternateContent xmlns:mc="http://schemas.openxmlformats.org/markup-compatibility/2006">
-    <mc:Choice xmlns:p14="http://schemas.microsoft.com/office/powerpoint/2010/main" Requires="p14">
+  <mc:AlternateContent xmlns:mc="http://schemas.openxmlformats.org/markup-compatibility/2006" xmlns:p14="http://schemas.microsoft.com/office/powerpoint/2010/main">
+    <mc:Choice Requires="p14">
       <p:transition p14:dur="0"/>
     </mc:Choice>
-    <mc:Fallback>
+    <mc:Fallback xmlns="">
       <p:transition/>
     </mc:Fallback>
   </mc:AlternateContent>
@@ -15115,11 +15083,11 @@
   <p:clrMapOvr>
     <a:masterClrMapping/>
   </p:clrMapOvr>
-  <mc:AlternateContent xmlns:mc="http://schemas.openxmlformats.org/markup-compatibility/2006">
-    <mc:Choice xmlns:p14="http://schemas.microsoft.com/office/powerpoint/2010/main" Requires="p14">
+  <mc:AlternateContent xmlns:mc="http://schemas.openxmlformats.org/markup-compatibility/2006" xmlns:p14="http://schemas.microsoft.com/office/powerpoint/2010/main">
+    <mc:Choice Requires="p14">
       <p:transition p14:dur="0"/>
     </mc:Choice>
-    <mc:Fallback>
+    <mc:Fallback xmlns="">
       <p:transition/>
     </mc:Fallback>
   </mc:AlternateContent>
@@ -15423,7 +15391,6 @@
               <a:rPr lang="en-US" dirty="0"/>
               <a:t>.</a:t>
             </a:r>
-            <a:endParaRPr lang="en-US" dirty="0"/>
           </a:p>
         </p:txBody>
       </p:sp>
@@ -15505,7 +15472,6 @@
               <a:rPr lang="en-US" dirty="0"/>
               <a:t>Café Chain Analysis </a:t>
             </a:r>
-            <a:endParaRPr lang="en-US" dirty="0"/>
           </a:p>
         </p:txBody>
       </p:sp>
@@ -15796,11 +15762,11 @@
   <p:clrMapOvr>
     <a:masterClrMapping/>
   </p:clrMapOvr>
-  <mc:AlternateContent xmlns:mc="http://schemas.openxmlformats.org/markup-compatibility/2006">
-    <mc:Choice xmlns:p14="http://schemas.microsoft.com/office/powerpoint/2010/main" Requires="p14">
+  <mc:AlternateContent xmlns:mc="http://schemas.openxmlformats.org/markup-compatibility/2006" xmlns:p14="http://schemas.microsoft.com/office/powerpoint/2010/main">
+    <mc:Choice Requires="p14">
       <p:transition p14:dur="0"/>
     </mc:Choice>
-    <mc:Fallback>
+    <mc:Fallback xmlns="">
       <p:transition/>
     </mc:Fallback>
   </mc:AlternateContent>
@@ -16043,11 +16009,11 @@
   <p:clrMapOvr>
     <a:masterClrMapping/>
   </p:clrMapOvr>
-  <mc:AlternateContent xmlns:mc="http://schemas.openxmlformats.org/markup-compatibility/2006">
-    <mc:Choice xmlns:p14="http://schemas.microsoft.com/office/powerpoint/2010/main" Requires="p14">
+  <mc:AlternateContent xmlns:mc="http://schemas.openxmlformats.org/markup-compatibility/2006" xmlns:p14="http://schemas.microsoft.com/office/powerpoint/2010/main">
+    <mc:Choice Requires="p14">
       <p:transition p14:dur="0"/>
     </mc:Choice>
-    <mc:Fallback>
+    <mc:Fallback xmlns="">
       <p:transition/>
     </mc:Fallback>
   </mc:AlternateContent>
@@ -16310,11 +16276,11 @@
   <p:clrMapOvr>
     <a:masterClrMapping/>
   </p:clrMapOvr>
-  <mc:AlternateContent xmlns:mc="http://schemas.openxmlformats.org/markup-compatibility/2006">
-    <mc:Choice xmlns:p14="http://schemas.microsoft.com/office/powerpoint/2010/main" Requires="p14">
+  <mc:AlternateContent xmlns:mc="http://schemas.openxmlformats.org/markup-compatibility/2006" xmlns:p14="http://schemas.microsoft.com/office/powerpoint/2010/main">
+    <mc:Choice Requires="p14">
       <p:transition p14:dur="0"/>
     </mc:Choice>
-    <mc:Fallback>
+    <mc:Fallback xmlns="">
       <p:transition/>
     </mc:Fallback>
   </mc:AlternateContent>
@@ -16387,7 +16353,6 @@
               <a:rPr lang="en-US" dirty="0"/>
               <a:t>Café Chain Analysis </a:t>
             </a:r>
-            <a:endParaRPr lang="en-US" dirty="0"/>
           </a:p>
         </p:txBody>
       </p:sp>
@@ -16804,11 +16769,11 @@
   <p:clrMapOvr>
     <a:masterClrMapping/>
   </p:clrMapOvr>
-  <mc:AlternateContent xmlns:mc="http://schemas.openxmlformats.org/markup-compatibility/2006">
-    <mc:Choice xmlns:p14="http://schemas.microsoft.com/office/powerpoint/2010/main" Requires="p14">
+  <mc:AlternateContent xmlns:mc="http://schemas.openxmlformats.org/markup-compatibility/2006" xmlns:p14="http://schemas.microsoft.com/office/powerpoint/2010/main">
+    <mc:Choice Requires="p14">
       <p:transition p14:dur="0"/>
     </mc:Choice>
-    <mc:Fallback>
+    <mc:Fallback xmlns="">
       <p:transition/>
     </mc:Fallback>
   </mc:AlternateContent>
